--- a/StudentWork/Abdullaht/SITE Report.pptx
+++ b/StudentWork/Abdullaht/SITE Report.pptx
@@ -888,6 +888,90 @@
     <p:extLst>
       <p:ext uri="{BB962C8B-B14F-4D97-AF65-F5344CB8AC3E}">
         <p14:creationId xmlns:p14="http://schemas.microsoft.com/office/powerpoint/2010/main" val="1718681274"/>
+      </p:ext>
+    </p:extLst>
+  </p:cSld>
+  <p:clrMapOvr>
+    <a:masterClrMapping/>
+  </p:clrMapOvr>
+</p:notes>
+</file>
+
+<file path=ppt/notesSlides/notesSlide6.xml><?xml version="1.0" encoding="utf-8"?>
+<p:notes xmlns:a="http://schemas.openxmlformats.org/drawingml/2006/main" xmlns:r="http://schemas.openxmlformats.org/officeDocument/2006/relationships" xmlns:p="http://schemas.openxmlformats.org/presentationml/2006/main">
+  <p:cSld>
+    <p:spTree>
+      <p:nvGrpSpPr>
+        <p:cNvPr id="1" name=""/>
+        <p:cNvGrpSpPr/>
+        <p:nvPr/>
+      </p:nvGrpSpPr>
+      <p:grpSpPr>
+        <a:xfrm>
+          <a:off x="0" y="0"/>
+          <a:ext cx="0" cy="0"/>
+          <a:chOff x="0" y="0"/>
+          <a:chExt cx="0" cy="0"/>
+        </a:xfrm>
+      </p:grpSpPr>
+      <p:sp>
+        <p:nvSpPr>
+          <p:cNvPr id="2" name="Slide Image Placeholder 1"/>
+          <p:cNvSpPr>
+            <a:spLocks noGrp="1" noRot="1" noChangeAspect="1"/>
+          </p:cNvSpPr>
+          <p:nvPr>
+            <p:ph type="sldImg"/>
+          </p:nvPr>
+        </p:nvSpPr>
+        <p:spPr/>
+      </p:sp>
+      <p:sp>
+        <p:nvSpPr>
+          <p:cNvPr id="3" name="Notes Placeholder 2"/>
+          <p:cNvSpPr>
+            <a:spLocks noGrp="1"/>
+          </p:cNvSpPr>
+          <p:nvPr>
+            <p:ph type="body" idx="1"/>
+          </p:nvPr>
+        </p:nvSpPr>
+        <p:spPr/>
+        <p:txBody>
+          <a:bodyPr/>
+          <a:lstStyle/>
+          <a:p>
+            <a:endParaRPr lang="en-GB" dirty="0"/>
+          </a:p>
+        </p:txBody>
+      </p:sp>
+      <p:sp>
+        <p:nvSpPr>
+          <p:cNvPr id="4" name="Slide Number Placeholder 3"/>
+          <p:cNvSpPr>
+            <a:spLocks noGrp="1"/>
+          </p:cNvSpPr>
+          <p:nvPr>
+            <p:ph type="sldNum" sz="quarter" idx="5"/>
+          </p:nvPr>
+        </p:nvSpPr>
+        <p:spPr/>
+        <p:txBody>
+          <a:bodyPr/>
+          <a:lstStyle/>
+          <a:p>
+            <a:fld id="{3A414F64-D3D9-444F-B0BA-8706A7F31AAB}" type="slidenum">
+              <a:rPr lang="en-US" smtClean="0"/>
+              <a:t>14</a:t>
+            </a:fld>
+            <a:endParaRPr lang="en-US"/>
+          </a:p>
+        </p:txBody>
+      </p:sp>
+    </p:spTree>
+    <p:extLst>
+      <p:ext uri="{BB962C8B-B14F-4D97-AF65-F5344CB8AC3E}">
+        <p14:creationId xmlns:p14="http://schemas.microsoft.com/office/powerpoint/2010/main" val="2912347790"/>
       </p:ext>
     </p:extLst>
   </p:cSld>
@@ -4665,7 +4749,7 @@
           <a:p>
             <a:r>
               <a:rPr lang="en-US" dirty="0"/>
-              <a:t>Project Pictures – Sample Source Code Screenshot</a:t>
+              <a:t>Project Pictures – Code Snippet Screenshot</a:t>
             </a:r>
             <a:endParaRPr lang="en-GB" dirty="0"/>
           </a:p>
@@ -4701,6 +4785,42 @@
           <a:xfrm>
             <a:off x="1099335" y="1407560"/>
             <a:ext cx="9113177" cy="4348465"/>
+          </a:xfrm>
+          <a:prstGeom prst="rect">
+            <a:avLst/>
+          </a:prstGeom>
+        </p:spPr>
+      </p:pic>
+      <p:pic>
+        <p:nvPicPr>
+          <p:cNvPr id="5" name="Picture 4" descr="A close up of a logo&#10;&#10;Description automatically generated">
+            <a:extLst>
+              <a:ext uri="{FF2B5EF4-FFF2-40B4-BE49-F238E27FC236}">
+                <a16:creationId xmlns:a16="http://schemas.microsoft.com/office/drawing/2014/main" id="{741588CC-F634-4F42-9C48-B6876A8F2CA7}"/>
+              </a:ext>
+            </a:extLst>
+          </p:cNvPr>
+          <p:cNvPicPr>
+            <a:picLocks noChangeAspect="1"/>
+          </p:cNvPicPr>
+          <p:nvPr/>
+        </p:nvPicPr>
+        <p:blipFill>
+          <a:blip r:embed="rId3">
+            <a:extLst>
+              <a:ext uri="{28A0092B-C50C-407E-A947-70E740481C1C}">
+                <a14:useLocalDpi xmlns:a14="http://schemas.microsoft.com/office/drawing/2010/main" val="0"/>
+              </a:ext>
+            </a:extLst>
+          </a:blip>
+          <a:stretch>
+            <a:fillRect/>
+          </a:stretch>
+        </p:blipFill>
+        <p:spPr>
+          <a:xfrm>
+            <a:off x="10470867" y="67550"/>
+            <a:ext cx="1383871" cy="1280659"/>
           </a:xfrm>
           <a:prstGeom prst="rect">
             <a:avLst/>
@@ -4760,7 +4880,7 @@
           <a:p>
             <a:r>
               <a:rPr lang="en-US" dirty="0"/>
-              <a:t>Project Pictures – Sample Source Code Screenshot</a:t>
+              <a:t>Project Pictures – Code Snippet Screenshot</a:t>
             </a:r>
             <a:endParaRPr lang="en-GB" dirty="0"/>
           </a:p>
@@ -4796,6 +4916,42 @@
           <a:xfrm>
             <a:off x="1470411" y="1243173"/>
             <a:ext cx="9251178" cy="4529900"/>
+          </a:xfrm>
+          <a:prstGeom prst="rect">
+            <a:avLst/>
+          </a:prstGeom>
+        </p:spPr>
+      </p:pic>
+      <p:pic>
+        <p:nvPicPr>
+          <p:cNvPr id="5" name="Picture 4" descr="A close up of a logo&#10;&#10;Description automatically generated">
+            <a:extLst>
+              <a:ext uri="{FF2B5EF4-FFF2-40B4-BE49-F238E27FC236}">
+                <a16:creationId xmlns:a16="http://schemas.microsoft.com/office/drawing/2014/main" id="{C7F33BC9-E123-4223-857A-0749F3B80809}"/>
+              </a:ext>
+            </a:extLst>
+          </p:cNvPr>
+          <p:cNvPicPr>
+            <a:picLocks noChangeAspect="1"/>
+          </p:cNvPicPr>
+          <p:nvPr/>
+        </p:nvPicPr>
+        <p:blipFill>
+          <a:blip r:embed="rId3">
+            <a:extLst>
+              <a:ext uri="{28A0092B-C50C-407E-A947-70E740481C1C}">
+                <a14:useLocalDpi xmlns:a14="http://schemas.microsoft.com/office/drawing/2010/main" val="0"/>
+              </a:ext>
+            </a:extLst>
+          </a:blip>
+          <a:stretch>
+            <a:fillRect/>
+          </a:stretch>
+        </p:blipFill>
+        <p:spPr>
+          <a:xfrm>
+            <a:off x="10470867" y="67550"/>
+            <a:ext cx="1383871" cy="1280659"/>
           </a:xfrm>
           <a:prstGeom prst="rect">
             <a:avLst/>
@@ -4855,7 +5011,7 @@
           <a:p>
             <a:r>
               <a:rPr lang="en-US" dirty="0"/>
-              <a:t>Project Pictures – Sample Source Code Screenshot</a:t>
+              <a:t>Project Pictures – Code Snippet Screenshot</a:t>
             </a:r>
             <a:endParaRPr lang="en-GB" dirty="0"/>
           </a:p>
@@ -4891,6 +5047,42 @@
           <a:xfrm>
             <a:off x="1359613" y="1118926"/>
             <a:ext cx="9472773" cy="4620147"/>
+          </a:xfrm>
+          <a:prstGeom prst="rect">
+            <a:avLst/>
+          </a:prstGeom>
+        </p:spPr>
+      </p:pic>
+      <p:pic>
+        <p:nvPicPr>
+          <p:cNvPr id="5" name="Picture 4" descr="A close up of a logo&#10;&#10;Description automatically generated">
+            <a:extLst>
+              <a:ext uri="{FF2B5EF4-FFF2-40B4-BE49-F238E27FC236}">
+                <a16:creationId xmlns:a16="http://schemas.microsoft.com/office/drawing/2014/main" id="{15E47F1A-1579-40E3-8007-028D0C3E1B9B}"/>
+              </a:ext>
+            </a:extLst>
+          </p:cNvPr>
+          <p:cNvPicPr>
+            <a:picLocks noChangeAspect="1"/>
+          </p:cNvPicPr>
+          <p:nvPr/>
+        </p:nvPicPr>
+        <p:blipFill>
+          <a:blip r:embed="rId3">
+            <a:extLst>
+              <a:ext uri="{28A0092B-C50C-407E-A947-70E740481C1C}">
+                <a14:useLocalDpi xmlns:a14="http://schemas.microsoft.com/office/drawing/2010/main" val="0"/>
+              </a:ext>
+            </a:extLst>
+          </a:blip>
+          <a:stretch>
+            <a:fillRect/>
+          </a:stretch>
+        </p:blipFill>
+        <p:spPr>
+          <a:xfrm>
+            <a:off x="10470867" y="67550"/>
+            <a:ext cx="1383871" cy="1280659"/>
           </a:xfrm>
           <a:prstGeom prst="rect">
             <a:avLst/>
@@ -5017,6 +5209,42 @@
           </a:p>
         </p:txBody>
       </p:sp>
+      <p:pic>
+        <p:nvPicPr>
+          <p:cNvPr id="3" name="Picture 2" descr="A close up of a logo&#10;&#10;Description automatically generated">
+            <a:extLst>
+              <a:ext uri="{FF2B5EF4-FFF2-40B4-BE49-F238E27FC236}">
+                <a16:creationId xmlns:a16="http://schemas.microsoft.com/office/drawing/2014/main" id="{9F50C36F-B98A-42ED-A39A-3988E3B51740}"/>
+              </a:ext>
+            </a:extLst>
+          </p:cNvPr>
+          <p:cNvPicPr>
+            <a:picLocks noChangeAspect="1"/>
+          </p:cNvPicPr>
+          <p:nvPr/>
+        </p:nvPicPr>
+        <p:blipFill>
+          <a:blip r:embed="rId6">
+            <a:extLst>
+              <a:ext uri="{28A0092B-C50C-407E-A947-70E740481C1C}">
+                <a14:useLocalDpi xmlns:a14="http://schemas.microsoft.com/office/drawing/2010/main" val="0"/>
+              </a:ext>
+            </a:extLst>
+          </a:blip>
+          <a:stretch>
+            <a:fillRect/>
+          </a:stretch>
+        </p:blipFill>
+        <p:spPr>
+          <a:xfrm>
+            <a:off x="10470867" y="67550"/>
+            <a:ext cx="1383871" cy="1280659"/>
+          </a:xfrm>
+          <a:prstGeom prst="rect">
+            <a:avLst/>
+          </a:prstGeom>
+        </p:spPr>
+      </p:pic>
     </p:spTree>
     <p:extLst>
       <p:ext uri="{BB962C8B-B14F-4D97-AF65-F5344CB8AC3E}">
@@ -5065,21 +5293,69 @@
         </p:nvSpPr>
         <p:spPr>
           <a:xfrm>
-            <a:off x="522182" y="2570388"/>
-            <a:ext cx="11147636" cy="1193380"/>
-          </a:xfrm>
-        </p:spPr>
-        <p:txBody>
-          <a:bodyPr/>
-          <a:lstStyle/>
-          <a:p>
-            <a:r>
-              <a:rPr lang="en-GB" dirty="0"/>
-              <a:t>			Thank you all……………….</a:t>
-            </a:r>
-          </a:p>
-        </p:txBody>
-      </p:sp>
+            <a:off x="3742441" y="2419559"/>
+            <a:ext cx="3082565" cy="1193380"/>
+          </a:xfrm>
+        </p:spPr>
+        <p:txBody>
+          <a:bodyPr>
+            <a:noAutofit/>
+          </a:bodyPr>
+          <a:lstStyle/>
+          <a:p>
+            <a:r>
+              <a:rPr lang="en-GB" sz="3200" dirty="0"/>
+              <a:t>Thank you all</a:t>
+            </a:r>
+            <a:br>
+              <a:rPr lang="en-GB" sz="3200" dirty="0"/>
+            </a:br>
+            <a:br>
+              <a:rPr lang="en-GB" sz="3200" dirty="0"/>
+            </a:br>
+            <a:r>
+              <a:rPr lang="en-GB" sz="3200" dirty="0"/>
+              <a:t>Any Questions?</a:t>
+            </a:r>
+          </a:p>
+        </p:txBody>
+      </p:sp>
+      <p:pic>
+        <p:nvPicPr>
+          <p:cNvPr id="3" name="Picture 2" descr="A close up of a logo&#10;&#10;Description automatically generated">
+            <a:extLst>
+              <a:ext uri="{FF2B5EF4-FFF2-40B4-BE49-F238E27FC236}">
+                <a16:creationId xmlns:a16="http://schemas.microsoft.com/office/drawing/2014/main" id="{CFF5F414-29D1-4423-B296-F2363F0C5DCD}"/>
+              </a:ext>
+            </a:extLst>
+          </p:cNvPr>
+          <p:cNvPicPr>
+            <a:picLocks noChangeAspect="1"/>
+          </p:cNvPicPr>
+          <p:nvPr/>
+        </p:nvPicPr>
+        <p:blipFill>
+          <a:blip r:embed="rId3">
+            <a:extLst>
+              <a:ext uri="{28A0092B-C50C-407E-A947-70E740481C1C}">
+                <a14:useLocalDpi xmlns:a14="http://schemas.microsoft.com/office/drawing/2010/main" val="0"/>
+              </a:ext>
+            </a:extLst>
+          </a:blip>
+          <a:stretch>
+            <a:fillRect/>
+          </a:stretch>
+        </p:blipFill>
+        <p:spPr>
+          <a:xfrm>
+            <a:off x="10470867" y="67550"/>
+            <a:ext cx="1383871" cy="1280659"/>
+          </a:xfrm>
+          <a:prstGeom prst="rect">
+            <a:avLst/>
+          </a:prstGeom>
+        </p:spPr>
+      </p:pic>
     </p:spTree>
     <p:extLst>
       <p:ext uri="{BB962C8B-B14F-4D97-AF65-F5344CB8AC3E}">
@@ -5543,6 +5819,42 @@
           </a:p>
         </p:txBody>
       </p:sp>
+      <p:pic>
+        <p:nvPicPr>
+          <p:cNvPr id="9" name="Picture 8" descr="A close up of a logo&#10;&#10;Description automatically generated">
+            <a:extLst>
+              <a:ext uri="{FF2B5EF4-FFF2-40B4-BE49-F238E27FC236}">
+                <a16:creationId xmlns:a16="http://schemas.microsoft.com/office/drawing/2014/main" id="{46A5950A-2D4E-4572-B333-466EF3A382DA}"/>
+              </a:ext>
+            </a:extLst>
+          </p:cNvPr>
+          <p:cNvPicPr>
+            <a:picLocks noChangeAspect="1"/>
+          </p:cNvPicPr>
+          <p:nvPr/>
+        </p:nvPicPr>
+        <p:blipFill>
+          <a:blip r:embed="rId4">
+            <a:extLst>
+              <a:ext uri="{28A0092B-C50C-407E-A947-70E740481C1C}">
+                <a14:useLocalDpi xmlns:a14="http://schemas.microsoft.com/office/drawing/2010/main" val="0"/>
+              </a:ext>
+            </a:extLst>
+          </a:blip>
+          <a:stretch>
+            <a:fillRect/>
+          </a:stretch>
+        </p:blipFill>
+        <p:spPr>
+          <a:xfrm>
+            <a:off x="10470867" y="67550"/>
+            <a:ext cx="1383871" cy="1280659"/>
+          </a:xfrm>
+          <a:prstGeom prst="rect">
+            <a:avLst/>
+          </a:prstGeom>
+        </p:spPr>
+      </p:pic>
     </p:spTree>
     <p:extLst>
       <p:ext uri="{BB962C8B-B14F-4D97-AF65-F5344CB8AC3E}">
@@ -6014,6 +6326,42 @@
           </a:p>
         </p:txBody>
       </p:sp>
+      <p:pic>
+        <p:nvPicPr>
+          <p:cNvPr id="10" name="Picture 9" descr="A close up of a logo&#10;&#10;Description automatically generated">
+            <a:extLst>
+              <a:ext uri="{FF2B5EF4-FFF2-40B4-BE49-F238E27FC236}">
+                <a16:creationId xmlns:a16="http://schemas.microsoft.com/office/drawing/2014/main" id="{0E81CE15-CC6B-49C5-A395-62EBC5E716DA}"/>
+              </a:ext>
+            </a:extLst>
+          </p:cNvPr>
+          <p:cNvPicPr>
+            <a:picLocks noChangeAspect="1"/>
+          </p:cNvPicPr>
+          <p:nvPr/>
+        </p:nvPicPr>
+        <p:blipFill>
+          <a:blip r:embed="rId4">
+            <a:extLst>
+              <a:ext uri="{28A0092B-C50C-407E-A947-70E740481C1C}">
+                <a14:useLocalDpi xmlns:a14="http://schemas.microsoft.com/office/drawing/2010/main" val="0"/>
+              </a:ext>
+            </a:extLst>
+          </a:blip>
+          <a:stretch>
+            <a:fillRect/>
+          </a:stretch>
+        </p:blipFill>
+        <p:spPr>
+          <a:xfrm>
+            <a:off x="10470867" y="67550"/>
+            <a:ext cx="1383871" cy="1280659"/>
+          </a:xfrm>
+          <a:prstGeom prst="rect">
+            <a:avLst/>
+          </a:prstGeom>
+        </p:spPr>
+      </p:pic>
     </p:spTree>
     <p:extLst>
       <p:ext uri="{BB962C8B-B14F-4D97-AF65-F5344CB8AC3E}">
@@ -6205,6 +6553,42 @@
           <a:xfrm>
             <a:off x="1732031" y="1515352"/>
             <a:ext cx="8568026" cy="3827296"/>
+          </a:xfrm>
+          <a:prstGeom prst="rect">
+            <a:avLst/>
+          </a:prstGeom>
+        </p:spPr>
+      </p:pic>
+      <p:pic>
+        <p:nvPicPr>
+          <p:cNvPr id="7" name="Picture 6" descr="A close up of a logo&#10;&#10;Description automatically generated">
+            <a:extLst>
+              <a:ext uri="{FF2B5EF4-FFF2-40B4-BE49-F238E27FC236}">
+                <a16:creationId xmlns:a16="http://schemas.microsoft.com/office/drawing/2014/main" id="{F8C60197-5731-4FCD-8ADA-D58C10CFEDD7}"/>
+              </a:ext>
+            </a:extLst>
+          </p:cNvPr>
+          <p:cNvPicPr>
+            <a:picLocks noChangeAspect="1"/>
+          </p:cNvPicPr>
+          <p:nvPr/>
+        </p:nvPicPr>
+        <p:blipFill>
+          <a:blip r:embed="rId4">
+            <a:extLst>
+              <a:ext uri="{28A0092B-C50C-407E-A947-70E740481C1C}">
+                <a14:useLocalDpi xmlns:a14="http://schemas.microsoft.com/office/drawing/2010/main" val="0"/>
+              </a:ext>
+            </a:extLst>
+          </a:blip>
+          <a:stretch>
+            <a:fillRect/>
+          </a:stretch>
+        </p:blipFill>
+        <p:spPr>
+          <a:xfrm>
+            <a:off x="10470867" y="67550"/>
+            <a:ext cx="1383871" cy="1280659"/>
           </a:xfrm>
           <a:prstGeom prst="rect">
             <a:avLst/>
@@ -6257,15 +6641,21 @@
             <p:ph type="title"/>
           </p:nvPr>
         </p:nvSpPr>
-        <p:spPr/>
+        <p:spPr>
+          <a:xfrm>
+            <a:off x="524021" y="330621"/>
+            <a:ext cx="11147636" cy="1193380"/>
+          </a:xfrm>
+        </p:spPr>
         <p:txBody>
           <a:bodyPr/>
           <a:lstStyle/>
           <a:p>
             <a:r>
-              <a:rPr lang="en-GB" dirty="0"/>
+              <a:rPr lang="en-GB"/>
               <a:t>3-Tiers Architecture</a:t>
             </a:r>
+            <a:endParaRPr lang="en-GB" dirty="0"/>
           </a:p>
         </p:txBody>
       </p:sp>
@@ -6299,6 +6689,42 @@
           <a:xfrm>
             <a:off x="520342" y="893851"/>
             <a:ext cx="10812053" cy="5024063"/>
+          </a:xfrm>
+          <a:prstGeom prst="rect">
+            <a:avLst/>
+          </a:prstGeom>
+        </p:spPr>
+      </p:pic>
+      <p:pic>
+        <p:nvPicPr>
+          <p:cNvPr id="9" name="Picture 8" descr="A close up of a logo&#10;&#10;Description automatically generated">
+            <a:extLst>
+              <a:ext uri="{FF2B5EF4-FFF2-40B4-BE49-F238E27FC236}">
+                <a16:creationId xmlns:a16="http://schemas.microsoft.com/office/drawing/2014/main" id="{6F9E24E8-2294-4768-A295-B5E4C28C6BE0}"/>
+              </a:ext>
+            </a:extLst>
+          </p:cNvPr>
+          <p:cNvPicPr>
+            <a:picLocks noChangeAspect="1"/>
+          </p:cNvPicPr>
+          <p:nvPr/>
+        </p:nvPicPr>
+        <p:blipFill>
+          <a:blip r:embed="rId3">
+            <a:extLst>
+              <a:ext uri="{28A0092B-C50C-407E-A947-70E740481C1C}">
+                <a14:useLocalDpi xmlns:a14="http://schemas.microsoft.com/office/drawing/2010/main" val="0"/>
+              </a:ext>
+            </a:extLst>
+          </a:blip>
+          <a:stretch>
+            <a:fillRect/>
+          </a:stretch>
+        </p:blipFill>
+        <p:spPr>
+          <a:xfrm>
+            <a:off x="10470867" y="67550"/>
+            <a:ext cx="1383871" cy="1280659"/>
           </a:xfrm>
           <a:prstGeom prst="rect">
             <a:avLst/>
@@ -6492,6 +6918,42 @@
           </a:prstGeom>
         </p:spPr>
       </p:pic>
+      <p:pic>
+        <p:nvPicPr>
+          <p:cNvPr id="7" name="Picture 6" descr="A close up of a logo&#10;&#10;Description automatically generated">
+            <a:extLst>
+              <a:ext uri="{FF2B5EF4-FFF2-40B4-BE49-F238E27FC236}">
+                <a16:creationId xmlns:a16="http://schemas.microsoft.com/office/drawing/2014/main" id="{5ED36D75-1EEC-4032-9B36-60568B323E9F}"/>
+              </a:ext>
+            </a:extLst>
+          </p:cNvPr>
+          <p:cNvPicPr>
+            <a:picLocks noChangeAspect="1"/>
+          </p:cNvPicPr>
+          <p:nvPr/>
+        </p:nvPicPr>
+        <p:blipFill>
+          <a:blip r:embed="rId5">
+            <a:extLst>
+              <a:ext uri="{28A0092B-C50C-407E-A947-70E740481C1C}">
+                <a14:useLocalDpi xmlns:a14="http://schemas.microsoft.com/office/drawing/2010/main" val="0"/>
+              </a:ext>
+            </a:extLst>
+          </a:blip>
+          <a:stretch>
+            <a:fillRect/>
+          </a:stretch>
+        </p:blipFill>
+        <p:spPr>
+          <a:xfrm>
+            <a:off x="10750377" y="0"/>
+            <a:ext cx="1383871" cy="1280659"/>
+          </a:xfrm>
+          <a:prstGeom prst="rect">
+            <a:avLst/>
+          </a:prstGeom>
+        </p:spPr>
+      </p:pic>
     </p:spTree>
     <p:extLst>
       <p:ext uri="{BB962C8B-B14F-4D97-AF65-F5344CB8AC3E}">
@@ -6581,6 +7043,42 @@
           <a:xfrm>
             <a:off x="520343" y="1109608"/>
             <a:ext cx="11274390" cy="4869951"/>
+          </a:xfrm>
+          <a:prstGeom prst="rect">
+            <a:avLst/>
+          </a:prstGeom>
+        </p:spPr>
+      </p:pic>
+      <p:pic>
+        <p:nvPicPr>
+          <p:cNvPr id="5" name="Picture 4" descr="A close up of a logo&#10;&#10;Description automatically generated">
+            <a:extLst>
+              <a:ext uri="{FF2B5EF4-FFF2-40B4-BE49-F238E27FC236}">
+                <a16:creationId xmlns:a16="http://schemas.microsoft.com/office/drawing/2014/main" id="{2F299111-0511-4E60-B603-3169C6A870D1}"/>
+              </a:ext>
+            </a:extLst>
+          </p:cNvPr>
+          <p:cNvPicPr>
+            <a:picLocks noChangeAspect="1"/>
+          </p:cNvPicPr>
+          <p:nvPr/>
+        </p:nvPicPr>
+        <p:blipFill>
+          <a:blip r:embed="rId3">
+            <a:extLst>
+              <a:ext uri="{28A0092B-C50C-407E-A947-70E740481C1C}">
+                <a14:useLocalDpi xmlns:a14="http://schemas.microsoft.com/office/drawing/2010/main" val="0"/>
+              </a:ext>
+            </a:extLst>
+          </a:blip>
+          <a:stretch>
+            <a:fillRect/>
+          </a:stretch>
+        </p:blipFill>
+        <p:spPr>
+          <a:xfrm>
+            <a:off x="10808129" y="0"/>
+            <a:ext cx="1383871" cy="1280659"/>
           </a:xfrm>
           <a:prstGeom prst="rect">
             <a:avLst/>
@@ -6687,6 +7185,42 @@
           </a:prstGeom>
         </p:spPr>
       </p:pic>
+      <p:pic>
+        <p:nvPicPr>
+          <p:cNvPr id="4" name="Picture 3" descr="A close up of a logo&#10;&#10;Description automatically generated">
+            <a:extLst>
+              <a:ext uri="{FF2B5EF4-FFF2-40B4-BE49-F238E27FC236}">
+                <a16:creationId xmlns:a16="http://schemas.microsoft.com/office/drawing/2014/main" id="{1F65AE4E-ADE1-45DE-B65C-EB946D5832BB}"/>
+              </a:ext>
+            </a:extLst>
+          </p:cNvPr>
+          <p:cNvPicPr>
+            <a:picLocks noChangeAspect="1"/>
+          </p:cNvPicPr>
+          <p:nvPr/>
+        </p:nvPicPr>
+        <p:blipFill>
+          <a:blip r:embed="rId3">
+            <a:extLst>
+              <a:ext uri="{28A0092B-C50C-407E-A947-70E740481C1C}">
+                <a14:useLocalDpi xmlns:a14="http://schemas.microsoft.com/office/drawing/2010/main" val="0"/>
+              </a:ext>
+            </a:extLst>
+          </a:blip>
+          <a:stretch>
+            <a:fillRect/>
+          </a:stretch>
+        </p:blipFill>
+        <p:spPr>
+          <a:xfrm>
+            <a:off x="10779269" y="0"/>
+            <a:ext cx="1383871" cy="1280659"/>
+          </a:xfrm>
+          <a:prstGeom prst="rect">
+            <a:avLst/>
+          </a:prstGeom>
+        </p:spPr>
+      </p:pic>
     </p:spTree>
     <p:extLst>
       <p:ext uri="{BB962C8B-B14F-4D97-AF65-F5344CB8AC3E}">
@@ -6776,6 +7310,42 @@
           <a:xfrm>
             <a:off x="0" y="1524002"/>
             <a:ext cx="12192000" cy="3880206"/>
+          </a:xfrm>
+          <a:prstGeom prst="rect">
+            <a:avLst/>
+          </a:prstGeom>
+        </p:spPr>
+      </p:pic>
+      <p:pic>
+        <p:nvPicPr>
+          <p:cNvPr id="5" name="Picture 4" descr="A close up of a logo&#10;&#10;Description automatically generated">
+            <a:extLst>
+              <a:ext uri="{FF2B5EF4-FFF2-40B4-BE49-F238E27FC236}">
+                <a16:creationId xmlns:a16="http://schemas.microsoft.com/office/drawing/2014/main" id="{EC27D0B0-2359-4880-A85D-925665C97B4D}"/>
+              </a:ext>
+            </a:extLst>
+          </p:cNvPr>
+          <p:cNvPicPr>
+            <a:picLocks noChangeAspect="1"/>
+          </p:cNvPicPr>
+          <p:nvPr/>
+        </p:nvPicPr>
+        <p:blipFill>
+          <a:blip r:embed="rId3">
+            <a:extLst>
+              <a:ext uri="{28A0092B-C50C-407E-A947-70E740481C1C}">
+                <a14:useLocalDpi xmlns:a14="http://schemas.microsoft.com/office/drawing/2010/main" val="0"/>
+              </a:ext>
+            </a:extLst>
+          </a:blip>
+          <a:stretch>
+            <a:fillRect/>
+          </a:stretch>
+        </p:blipFill>
+        <p:spPr>
+          <a:xfrm>
+            <a:off x="10547957" y="0"/>
+            <a:ext cx="1383871" cy="1280659"/>
           </a:xfrm>
           <a:prstGeom prst="rect">
             <a:avLst/>
